--- a/gRPC.ppt.pptx
+++ b/gRPC.ppt.pptx
@@ -6,10 +6,11 @@
   </p:sldMasterIdLst>
   <p:sldIdLst>
     <p:sldId id="256" r:id="rId2"/>
-    <p:sldId id="257" r:id="rId3"/>
+    <p:sldId id="258" r:id="rId3"/>
+    <p:sldId id="257" r:id="rId4"/>
   </p:sldIdLst>
   <p:sldSz cx="9144000" cy="6858000" type="screen4x3"/>
-  <p:notesSz cx="6858000" cy="9144000"/>
+  <p:notesSz cx="7023100" cy="9309100"/>
   <p:defaultTextStyle>
     <a:defPPr>
       <a:defRPr lang="en-US"/>
@@ -3159,6 +3160,88 @@
 </file>
 
 <file path=ppt/slides/slide2.xml><?xml version="1.0" encoding="utf-8"?>
+<p:sld xmlns:a="http://schemas.openxmlformats.org/drawingml/2006/main" xmlns:r="http://schemas.openxmlformats.org/officeDocument/2006/relationships" xmlns:p="http://schemas.openxmlformats.org/presentationml/2006/main">
+  <p:cSld>
+    <p:spTree>
+      <p:nvGrpSpPr>
+        <p:cNvPr id="1" name=""/>
+        <p:cNvGrpSpPr/>
+        <p:nvPr/>
+      </p:nvGrpSpPr>
+      <p:grpSpPr>
+        <a:xfrm>
+          <a:off x="0" y="0"/>
+          <a:ext cx="0" cy="0"/>
+          <a:chOff x="0" y="0"/>
+          <a:chExt cx="0" cy="0"/>
+        </a:xfrm>
+      </p:grpSpPr>
+      <p:sp>
+        <p:nvSpPr>
+          <p:cNvPr id="2" name="Title 1"/>
+          <p:cNvSpPr>
+            <a:spLocks noGrp="1"/>
+          </p:cNvSpPr>
+          <p:nvPr>
+            <p:ph type="title"/>
+          </p:nvPr>
+        </p:nvSpPr>
+        <p:spPr/>
+        <p:txBody>
+          <a:bodyPr/>
+          <a:lstStyle/>
+          <a:p>
+            <a:endParaRPr lang="en-US"/>
+          </a:p>
+        </p:txBody>
+      </p:sp>
+      <p:sp>
+        <p:nvSpPr>
+          <p:cNvPr id="3" name="Content Placeholder 2"/>
+          <p:cNvSpPr>
+            <a:spLocks noGrp="1"/>
+          </p:cNvSpPr>
+          <p:nvPr>
+            <p:ph idx="1"/>
+          </p:nvPr>
+        </p:nvSpPr>
+        <p:spPr/>
+        <p:txBody>
+          <a:bodyPr/>
+          <a:lstStyle/>
+          <a:p>
+            <a:r>
+              <a:rPr lang="en-US" dirty="0" smtClean="0"/>
+              <a:t>Optional values :</a:t>
+            </a:r>
+            <a:br>
+              <a:rPr lang="en-US" dirty="0" smtClean="0"/>
+            </a:br>
+            <a:endParaRPr lang="en-US" dirty="0"/>
+          </a:p>
+        </p:txBody>
+      </p:sp>
+    </p:spTree>
+    <p:extLst>
+      <p:ext uri="{BB962C8B-B14F-4D97-AF65-F5344CB8AC3E}">
+        <p14:creationId xmlns:p14="http://schemas.microsoft.com/office/powerpoint/2010/main" val="1423389110"/>
+      </p:ext>
+    </p:extLst>
+  </p:cSld>
+  <p:clrMapOvr>
+    <a:masterClrMapping/>
+  </p:clrMapOvr>
+  <p:timing>
+    <p:tnLst>
+      <p:par>
+        <p:cTn id="1" dur="indefinite" restart="never" nodeType="tmRoot"/>
+      </p:par>
+    </p:tnLst>
+  </p:timing>
+</p:sld>
+</file>
+
+<file path=ppt/slides/slide3.xml><?xml version="1.0" encoding="utf-8"?>
 <p:sld xmlns:a="http://schemas.openxmlformats.org/drawingml/2006/main" xmlns:r="http://schemas.openxmlformats.org/officeDocument/2006/relationships" xmlns:p="http://schemas.openxmlformats.org/presentationml/2006/main">
   <p:cSld>
     <p:spTree>

--- a/gRPC.ppt.pptx
+++ b/gRPC.ppt.pptx
@@ -6,8 +6,12 @@
   </p:sldMasterIdLst>
   <p:sldIdLst>
     <p:sldId id="256" r:id="rId2"/>
-    <p:sldId id="258" r:id="rId3"/>
-    <p:sldId id="257" r:id="rId4"/>
+    <p:sldId id="259" r:id="rId3"/>
+    <p:sldId id="260" r:id="rId4"/>
+    <p:sldId id="261" r:id="rId5"/>
+    <p:sldId id="262" r:id="rId6"/>
+    <p:sldId id="258" r:id="rId7"/>
+    <p:sldId id="257" r:id="rId8"/>
   </p:sldIdLst>
   <p:sldSz cx="9144000" cy="6858000" type="screen4x3"/>
   <p:notesSz cx="7023100" cy="9309100"/>
@@ -290,7 +294,7 @@
           <a:p>
             <a:fld id="{37CEDBEC-9865-4A7E-B8C7-F813AA801E91}" type="datetimeFigureOut">
               <a:rPr lang="en-US" smtClean="0"/>
-              <a:t>12-Feb-20</a:t>
+              <a:t>21-Feb-20</a:t>
             </a:fld>
             <a:endParaRPr lang="en-US"/>
           </a:p>
@@ -460,7 +464,7 @@
           <a:p>
             <a:fld id="{37CEDBEC-9865-4A7E-B8C7-F813AA801E91}" type="datetimeFigureOut">
               <a:rPr lang="en-US" smtClean="0"/>
-              <a:t>12-Feb-20</a:t>
+              <a:t>21-Feb-20</a:t>
             </a:fld>
             <a:endParaRPr lang="en-US"/>
           </a:p>
@@ -640,7 +644,7 @@
           <a:p>
             <a:fld id="{37CEDBEC-9865-4A7E-B8C7-F813AA801E91}" type="datetimeFigureOut">
               <a:rPr lang="en-US" smtClean="0"/>
-              <a:t>12-Feb-20</a:t>
+              <a:t>21-Feb-20</a:t>
             </a:fld>
             <a:endParaRPr lang="en-US"/>
           </a:p>
@@ -810,7 +814,7 @@
           <a:p>
             <a:fld id="{37CEDBEC-9865-4A7E-B8C7-F813AA801E91}" type="datetimeFigureOut">
               <a:rPr lang="en-US" smtClean="0"/>
-              <a:t>12-Feb-20</a:t>
+              <a:t>21-Feb-20</a:t>
             </a:fld>
             <a:endParaRPr lang="en-US"/>
           </a:p>
@@ -1056,7 +1060,7 @@
           <a:p>
             <a:fld id="{37CEDBEC-9865-4A7E-B8C7-F813AA801E91}" type="datetimeFigureOut">
               <a:rPr lang="en-US" smtClean="0"/>
-              <a:t>12-Feb-20</a:t>
+              <a:t>21-Feb-20</a:t>
             </a:fld>
             <a:endParaRPr lang="en-US"/>
           </a:p>
@@ -1344,7 +1348,7 @@
           <a:p>
             <a:fld id="{37CEDBEC-9865-4A7E-B8C7-F813AA801E91}" type="datetimeFigureOut">
               <a:rPr lang="en-US" smtClean="0"/>
-              <a:t>12-Feb-20</a:t>
+              <a:t>21-Feb-20</a:t>
             </a:fld>
             <a:endParaRPr lang="en-US"/>
           </a:p>
@@ -1766,7 +1770,7 @@
           <a:p>
             <a:fld id="{37CEDBEC-9865-4A7E-B8C7-F813AA801E91}" type="datetimeFigureOut">
               <a:rPr lang="en-US" smtClean="0"/>
-              <a:t>12-Feb-20</a:t>
+              <a:t>21-Feb-20</a:t>
             </a:fld>
             <a:endParaRPr lang="en-US"/>
           </a:p>
@@ -1884,7 +1888,7 @@
           <a:p>
             <a:fld id="{37CEDBEC-9865-4A7E-B8C7-F813AA801E91}" type="datetimeFigureOut">
               <a:rPr lang="en-US" smtClean="0"/>
-              <a:t>12-Feb-20</a:t>
+              <a:t>21-Feb-20</a:t>
             </a:fld>
             <a:endParaRPr lang="en-US"/>
           </a:p>
@@ -1979,7 +1983,7 @@
           <a:p>
             <a:fld id="{37CEDBEC-9865-4A7E-B8C7-F813AA801E91}" type="datetimeFigureOut">
               <a:rPr lang="en-US" smtClean="0"/>
-              <a:t>12-Feb-20</a:t>
+              <a:t>21-Feb-20</a:t>
             </a:fld>
             <a:endParaRPr lang="en-US"/>
           </a:p>
@@ -2256,7 +2260,7 @@
           <a:p>
             <a:fld id="{37CEDBEC-9865-4A7E-B8C7-F813AA801E91}" type="datetimeFigureOut">
               <a:rPr lang="en-US" smtClean="0"/>
-              <a:t>12-Feb-20</a:t>
+              <a:t>21-Feb-20</a:t>
             </a:fld>
             <a:endParaRPr lang="en-US"/>
           </a:p>
@@ -2509,7 +2513,7 @@
           <a:p>
             <a:fld id="{37CEDBEC-9865-4A7E-B8C7-F813AA801E91}" type="datetimeFigureOut">
               <a:rPr lang="en-US" smtClean="0"/>
-              <a:t>12-Feb-20</a:t>
+              <a:t>21-Feb-20</a:t>
             </a:fld>
             <a:endParaRPr lang="en-US"/>
           </a:p>
@@ -2722,7 +2726,7 @@
           <a:p>
             <a:fld id="{37CEDBEC-9865-4A7E-B8C7-F813AA801E91}" type="datetimeFigureOut">
               <a:rPr lang="en-US" smtClean="0"/>
-              <a:t>12-Feb-20</a:t>
+              <a:t>21-Feb-20</a:t>
             </a:fld>
             <a:endParaRPr lang="en-US"/>
           </a:p>
@@ -3210,9 +3214,542 @@
           <a:bodyPr/>
           <a:lstStyle/>
           <a:p>
+            <a:endParaRPr lang="en-US" dirty="0"/>
+          </a:p>
+        </p:txBody>
+      </p:sp>
+      <p:pic>
+        <p:nvPicPr>
+          <p:cNvPr id="1027" name="Picture 3"/>
+          <p:cNvPicPr>
+            <a:picLocks noChangeAspect="1" noChangeArrowheads="1"/>
+          </p:cNvPicPr>
+          <p:nvPr/>
+        </p:nvPicPr>
+        <p:blipFill>
+          <a:blip r:embed="rId2">
+            <a:extLst>
+              <a:ext uri="{28A0092B-C50C-407E-A947-70E740481C1C}">
+                <a14:useLocalDpi xmlns:a14="http://schemas.microsoft.com/office/drawing/2010/main" val="0"/>
+              </a:ext>
+            </a:extLst>
+          </a:blip>
+          <a:srcRect/>
+          <a:stretch>
+            <a:fillRect/>
+          </a:stretch>
+        </p:blipFill>
+        <p:spPr bwMode="auto">
+          <a:xfrm>
+            <a:off x="576263" y="152400"/>
+            <a:ext cx="7991475" cy="5943600"/>
+          </a:xfrm>
+          <a:prstGeom prst="rect">
+            <a:avLst/>
+          </a:prstGeom>
+          <a:noFill/>
+          <a:ln>
+            <a:noFill/>
+          </a:ln>
+          <a:effectLst/>
+          <a:extLst>
+            <a:ext uri="{909E8E84-426E-40DD-AFC4-6F175D3DCCD1}">
+              <a14:hiddenFill xmlns:a14="http://schemas.microsoft.com/office/drawing/2010/main">
+                <a:solidFill>
+                  <a:schemeClr val="accent1"/>
+                </a:solidFill>
+              </a14:hiddenFill>
+            </a:ext>
+            <a:ext uri="{91240B29-F687-4F45-9708-019B960494DF}">
+              <a14:hiddenLine xmlns:a14="http://schemas.microsoft.com/office/drawing/2010/main" w="9525">
+                <a:solidFill>
+                  <a:schemeClr val="tx1"/>
+                </a:solidFill>
+                <a:miter lim="800000"/>
+                <a:headEnd/>
+                <a:tailEnd/>
+              </a14:hiddenLine>
+            </a:ext>
+            <a:ext uri="{AF507438-7753-43E0-B8FC-AC1667EBCBE1}">
+              <a14:hiddenEffects xmlns:a14="http://schemas.microsoft.com/office/drawing/2010/main">
+                <a:effectLst>
+                  <a:outerShdw dist="35921" dir="2700000" algn="ctr" rotWithShape="0">
+                    <a:schemeClr val="bg2"/>
+                  </a:outerShdw>
+                </a:effectLst>
+              </a14:hiddenEffects>
+            </a:ext>
+          </a:extLst>
+        </p:spPr>
+      </p:pic>
+    </p:spTree>
+    <p:extLst>
+      <p:ext uri="{BB962C8B-B14F-4D97-AF65-F5344CB8AC3E}">
+        <p14:creationId xmlns:p14="http://schemas.microsoft.com/office/powerpoint/2010/main" val="233007822"/>
+      </p:ext>
+    </p:extLst>
+  </p:cSld>
+  <p:clrMapOvr>
+    <a:masterClrMapping/>
+  </p:clrMapOvr>
+  <p:timing>
+    <p:tnLst>
+      <p:par>
+        <p:cTn id="1" dur="indefinite" restart="never" nodeType="tmRoot"/>
+      </p:par>
+    </p:tnLst>
+  </p:timing>
+</p:sld>
+</file>
+
+<file path=ppt/slides/slide3.xml><?xml version="1.0" encoding="utf-8"?>
+<p:sld xmlns:a="http://schemas.openxmlformats.org/drawingml/2006/main" xmlns:r="http://schemas.openxmlformats.org/officeDocument/2006/relationships" xmlns:p="http://schemas.openxmlformats.org/presentationml/2006/main">
+  <p:cSld>
+    <p:spTree>
+      <p:nvGrpSpPr>
+        <p:cNvPr id="1" name=""/>
+        <p:cNvGrpSpPr/>
+        <p:nvPr/>
+      </p:nvGrpSpPr>
+      <p:grpSpPr>
+        <a:xfrm>
+          <a:off x="0" y="0"/>
+          <a:ext cx="0" cy="0"/>
+          <a:chOff x="0" y="0"/>
+          <a:chExt cx="0" cy="0"/>
+        </a:xfrm>
+      </p:grpSpPr>
+      <p:sp>
+        <p:nvSpPr>
+          <p:cNvPr id="2" name="Title 1"/>
+          <p:cNvSpPr>
+            <a:spLocks noGrp="1"/>
+          </p:cNvSpPr>
+          <p:nvPr>
+            <p:ph type="title"/>
+          </p:nvPr>
+        </p:nvSpPr>
+        <p:spPr/>
+        <p:txBody>
+          <a:bodyPr/>
+          <a:lstStyle/>
+          <a:p>
+            <a:endParaRPr lang="en-US"/>
+          </a:p>
+        </p:txBody>
+      </p:sp>
+      <p:sp>
+        <p:nvSpPr>
+          <p:cNvPr id="3" name="Content Placeholder 2"/>
+          <p:cNvSpPr>
+            <a:spLocks noGrp="1"/>
+          </p:cNvSpPr>
+          <p:nvPr>
+            <p:ph idx="1"/>
+          </p:nvPr>
+        </p:nvSpPr>
+        <p:spPr/>
+        <p:txBody>
+          <a:bodyPr/>
+          <a:lstStyle/>
+          <a:p>
+            <a:endParaRPr lang="en-US"/>
+          </a:p>
+        </p:txBody>
+      </p:sp>
+      <p:pic>
+        <p:nvPicPr>
+          <p:cNvPr id="2050" name="Picture 2"/>
+          <p:cNvPicPr>
+            <a:picLocks noChangeAspect="1" noChangeArrowheads="1"/>
+          </p:cNvPicPr>
+          <p:nvPr/>
+        </p:nvPicPr>
+        <p:blipFill>
+          <a:blip r:embed="rId2">
+            <a:extLst>
+              <a:ext uri="{28A0092B-C50C-407E-A947-70E740481C1C}">
+                <a14:useLocalDpi xmlns:a14="http://schemas.microsoft.com/office/drawing/2010/main" val="0"/>
+              </a:ext>
+            </a:extLst>
+          </a:blip>
+          <a:srcRect/>
+          <a:stretch>
+            <a:fillRect/>
+          </a:stretch>
+        </p:blipFill>
+        <p:spPr bwMode="auto">
+          <a:xfrm>
+            <a:off x="585788" y="304800"/>
+            <a:ext cx="7972425" cy="5867400"/>
+          </a:xfrm>
+          <a:prstGeom prst="rect">
+            <a:avLst/>
+          </a:prstGeom>
+          <a:noFill/>
+          <a:ln>
+            <a:noFill/>
+          </a:ln>
+          <a:effectLst/>
+          <a:extLst>
+            <a:ext uri="{909E8E84-426E-40DD-AFC4-6F175D3DCCD1}">
+              <a14:hiddenFill xmlns:a14="http://schemas.microsoft.com/office/drawing/2010/main">
+                <a:solidFill>
+                  <a:schemeClr val="accent1"/>
+                </a:solidFill>
+              </a14:hiddenFill>
+            </a:ext>
+            <a:ext uri="{91240B29-F687-4F45-9708-019B960494DF}">
+              <a14:hiddenLine xmlns:a14="http://schemas.microsoft.com/office/drawing/2010/main" w="9525">
+                <a:solidFill>
+                  <a:schemeClr val="tx1"/>
+                </a:solidFill>
+                <a:miter lim="800000"/>
+                <a:headEnd/>
+                <a:tailEnd/>
+              </a14:hiddenLine>
+            </a:ext>
+            <a:ext uri="{AF507438-7753-43E0-B8FC-AC1667EBCBE1}">
+              <a14:hiddenEffects xmlns:a14="http://schemas.microsoft.com/office/drawing/2010/main">
+                <a:effectLst>
+                  <a:outerShdw dist="35921" dir="2700000" algn="ctr" rotWithShape="0">
+                    <a:schemeClr val="bg2"/>
+                  </a:outerShdw>
+                </a:effectLst>
+              </a14:hiddenEffects>
+            </a:ext>
+          </a:extLst>
+        </p:spPr>
+      </p:pic>
+    </p:spTree>
+    <p:extLst>
+      <p:ext uri="{BB962C8B-B14F-4D97-AF65-F5344CB8AC3E}">
+        <p14:creationId xmlns:p14="http://schemas.microsoft.com/office/powerpoint/2010/main" val="1929105245"/>
+      </p:ext>
+    </p:extLst>
+  </p:cSld>
+  <p:clrMapOvr>
+    <a:masterClrMapping/>
+  </p:clrMapOvr>
+  <p:timing>
+    <p:tnLst>
+      <p:par>
+        <p:cTn id="1" dur="indefinite" restart="never" nodeType="tmRoot"/>
+      </p:par>
+    </p:tnLst>
+  </p:timing>
+</p:sld>
+</file>
+
+<file path=ppt/slides/slide4.xml><?xml version="1.0" encoding="utf-8"?>
+<p:sld xmlns:a="http://schemas.openxmlformats.org/drawingml/2006/main" xmlns:r="http://schemas.openxmlformats.org/officeDocument/2006/relationships" xmlns:p="http://schemas.openxmlformats.org/presentationml/2006/main">
+  <p:cSld>
+    <p:spTree>
+      <p:nvGrpSpPr>
+        <p:cNvPr id="1" name=""/>
+        <p:cNvGrpSpPr/>
+        <p:nvPr/>
+      </p:nvGrpSpPr>
+      <p:grpSpPr>
+        <a:xfrm>
+          <a:off x="0" y="0"/>
+          <a:ext cx="0" cy="0"/>
+          <a:chOff x="0" y="0"/>
+          <a:chExt cx="0" cy="0"/>
+        </a:xfrm>
+      </p:grpSpPr>
+      <p:sp>
+        <p:nvSpPr>
+          <p:cNvPr id="2" name="Title 1"/>
+          <p:cNvSpPr>
+            <a:spLocks noGrp="1"/>
+          </p:cNvSpPr>
+          <p:nvPr>
+            <p:ph type="title"/>
+          </p:nvPr>
+        </p:nvSpPr>
+        <p:spPr/>
+        <p:txBody>
+          <a:bodyPr/>
+          <a:lstStyle/>
+          <a:p>
+            <a:endParaRPr lang="en-US"/>
+          </a:p>
+        </p:txBody>
+      </p:sp>
+      <p:sp>
+        <p:nvSpPr>
+          <p:cNvPr id="3" name="Content Placeholder 2"/>
+          <p:cNvSpPr>
+            <a:spLocks noGrp="1"/>
+          </p:cNvSpPr>
+          <p:nvPr>
+            <p:ph idx="1"/>
+          </p:nvPr>
+        </p:nvSpPr>
+        <p:spPr/>
+        <p:txBody>
+          <a:bodyPr/>
+          <a:lstStyle/>
+          <a:p>
+            <a:endParaRPr lang="en-US" dirty="0"/>
+          </a:p>
+        </p:txBody>
+      </p:sp>
+      <p:pic>
+        <p:nvPicPr>
+          <p:cNvPr id="3074" name="Picture 2"/>
+          <p:cNvPicPr>
+            <a:picLocks noChangeAspect="1" noChangeArrowheads="1"/>
+          </p:cNvPicPr>
+          <p:nvPr/>
+        </p:nvPicPr>
+        <p:blipFill>
+          <a:blip r:embed="rId2">
+            <a:extLst>
+              <a:ext uri="{28A0092B-C50C-407E-A947-70E740481C1C}">
+                <a14:useLocalDpi xmlns:a14="http://schemas.microsoft.com/office/drawing/2010/main" val="0"/>
+              </a:ext>
+            </a:extLst>
+          </a:blip>
+          <a:srcRect/>
+          <a:stretch>
+            <a:fillRect/>
+          </a:stretch>
+        </p:blipFill>
+        <p:spPr bwMode="auto">
+          <a:xfrm>
+            <a:off x="138113" y="152401"/>
+            <a:ext cx="8867775" cy="6072188"/>
+          </a:xfrm>
+          <a:prstGeom prst="rect">
+            <a:avLst/>
+          </a:prstGeom>
+          <a:noFill/>
+          <a:ln>
+            <a:noFill/>
+          </a:ln>
+          <a:effectLst/>
+          <a:extLst>
+            <a:ext uri="{909E8E84-426E-40DD-AFC4-6F175D3DCCD1}">
+              <a14:hiddenFill xmlns:a14="http://schemas.microsoft.com/office/drawing/2010/main">
+                <a:solidFill>
+                  <a:schemeClr val="accent1"/>
+                </a:solidFill>
+              </a14:hiddenFill>
+            </a:ext>
+            <a:ext uri="{91240B29-F687-4F45-9708-019B960494DF}">
+              <a14:hiddenLine xmlns:a14="http://schemas.microsoft.com/office/drawing/2010/main" w="9525">
+                <a:solidFill>
+                  <a:schemeClr val="tx1"/>
+                </a:solidFill>
+                <a:miter lim="800000"/>
+                <a:headEnd/>
+                <a:tailEnd/>
+              </a14:hiddenLine>
+            </a:ext>
+            <a:ext uri="{AF507438-7753-43E0-B8FC-AC1667EBCBE1}">
+              <a14:hiddenEffects xmlns:a14="http://schemas.microsoft.com/office/drawing/2010/main">
+                <a:effectLst>
+                  <a:outerShdw dist="35921" dir="2700000" algn="ctr" rotWithShape="0">
+                    <a:schemeClr val="bg2"/>
+                  </a:outerShdw>
+                </a:effectLst>
+              </a14:hiddenEffects>
+            </a:ext>
+          </a:extLst>
+        </p:spPr>
+      </p:pic>
+    </p:spTree>
+    <p:extLst>
+      <p:ext uri="{BB962C8B-B14F-4D97-AF65-F5344CB8AC3E}">
+        <p14:creationId xmlns:p14="http://schemas.microsoft.com/office/powerpoint/2010/main" val="724155632"/>
+      </p:ext>
+    </p:extLst>
+  </p:cSld>
+  <p:clrMapOvr>
+    <a:masterClrMapping/>
+  </p:clrMapOvr>
+  <p:timing>
+    <p:tnLst>
+      <p:par>
+        <p:cTn id="1" dur="indefinite" restart="never" nodeType="tmRoot"/>
+      </p:par>
+    </p:tnLst>
+  </p:timing>
+</p:sld>
+</file>
+
+<file path=ppt/slides/slide5.xml><?xml version="1.0" encoding="utf-8"?>
+<p:sld xmlns:a="http://schemas.openxmlformats.org/drawingml/2006/main" xmlns:r="http://schemas.openxmlformats.org/officeDocument/2006/relationships" xmlns:p="http://schemas.openxmlformats.org/presentationml/2006/main">
+  <p:cSld>
+    <p:spTree>
+      <p:nvGrpSpPr>
+        <p:cNvPr id="1" name=""/>
+        <p:cNvGrpSpPr/>
+        <p:nvPr/>
+      </p:nvGrpSpPr>
+      <p:grpSpPr>
+        <a:xfrm>
+          <a:off x="0" y="0"/>
+          <a:ext cx="0" cy="0"/>
+          <a:chOff x="0" y="0"/>
+          <a:chExt cx="0" cy="0"/>
+        </a:xfrm>
+      </p:grpSpPr>
+      <p:sp>
+        <p:nvSpPr>
+          <p:cNvPr id="2" name="Title 1"/>
+          <p:cNvSpPr>
+            <a:spLocks noGrp="1"/>
+          </p:cNvSpPr>
+          <p:nvPr>
+            <p:ph type="title"/>
+          </p:nvPr>
+        </p:nvSpPr>
+        <p:spPr/>
+        <p:txBody>
+          <a:bodyPr/>
+          <a:lstStyle/>
+          <a:p>
             <a:r>
               <a:rPr lang="en-US" dirty="0" smtClean="0"/>
-              <a:t>Optional values :</a:t>
+              <a:t>Error handling in </a:t>
+            </a:r>
+            <a:r>
+              <a:rPr lang="en-US" dirty="0" err="1" smtClean="0"/>
+              <a:t>gRPC</a:t>
+            </a:r>
+            <a:endParaRPr lang="en-US" dirty="0"/>
+          </a:p>
+        </p:txBody>
+      </p:sp>
+      <p:sp>
+        <p:nvSpPr>
+          <p:cNvPr id="3" name="Content Placeholder 2"/>
+          <p:cNvSpPr>
+            <a:spLocks noGrp="1"/>
+          </p:cNvSpPr>
+          <p:nvPr>
+            <p:ph idx="1"/>
+          </p:nvPr>
+        </p:nvSpPr>
+        <p:spPr/>
+        <p:txBody>
+          <a:bodyPr/>
+          <a:lstStyle/>
+          <a:p>
+            <a:r>
+              <a:rPr lang="en-US" dirty="0" smtClean="0"/>
+              <a:t>Demo</a:t>
+            </a:r>
+            <a:endParaRPr lang="en-US" dirty="0"/>
+          </a:p>
+        </p:txBody>
+      </p:sp>
+    </p:spTree>
+    <p:extLst>
+      <p:ext uri="{BB962C8B-B14F-4D97-AF65-F5344CB8AC3E}">
+        <p14:creationId xmlns:p14="http://schemas.microsoft.com/office/powerpoint/2010/main" val="459838880"/>
+      </p:ext>
+    </p:extLst>
+  </p:cSld>
+  <p:clrMapOvr>
+    <a:masterClrMapping/>
+  </p:clrMapOvr>
+  <p:timing>
+    <p:tnLst>
+      <p:par>
+        <p:cTn id="1" dur="indefinite" restart="never" nodeType="tmRoot"/>
+      </p:par>
+    </p:tnLst>
+  </p:timing>
+</p:sld>
+</file>
+
+<file path=ppt/slides/slide6.xml><?xml version="1.0" encoding="utf-8"?>
+<p:sld xmlns:a="http://schemas.openxmlformats.org/drawingml/2006/main" xmlns:r="http://schemas.openxmlformats.org/officeDocument/2006/relationships" xmlns:p="http://schemas.openxmlformats.org/presentationml/2006/main">
+  <p:cSld>
+    <p:spTree>
+      <p:nvGrpSpPr>
+        <p:cNvPr id="1" name=""/>
+        <p:cNvGrpSpPr/>
+        <p:nvPr/>
+      </p:nvGrpSpPr>
+      <p:grpSpPr>
+        <a:xfrm>
+          <a:off x="0" y="0"/>
+          <a:ext cx="0" cy="0"/>
+          <a:chOff x="0" y="0"/>
+          <a:chExt cx="0" cy="0"/>
+        </a:xfrm>
+      </p:grpSpPr>
+      <p:sp>
+        <p:nvSpPr>
+          <p:cNvPr id="2" name="Title 1"/>
+          <p:cNvSpPr>
+            <a:spLocks noGrp="1"/>
+          </p:cNvSpPr>
+          <p:nvPr>
+            <p:ph type="title"/>
+          </p:nvPr>
+        </p:nvSpPr>
+        <p:spPr/>
+        <p:txBody>
+          <a:bodyPr/>
+          <a:lstStyle/>
+          <a:p>
+            <a:endParaRPr lang="en-US"/>
+          </a:p>
+        </p:txBody>
+      </p:sp>
+      <p:sp>
+        <p:nvSpPr>
+          <p:cNvPr id="3" name="Content Placeholder 2"/>
+          <p:cNvSpPr>
+            <a:spLocks noGrp="1"/>
+          </p:cNvSpPr>
+          <p:nvPr>
+            <p:ph idx="1"/>
+          </p:nvPr>
+        </p:nvSpPr>
+        <p:spPr/>
+        <p:txBody>
+          <a:bodyPr/>
+          <a:lstStyle/>
+          <a:p>
+            <a:r>
+              <a:rPr lang="en-US" dirty="0" smtClean="0"/>
+              <a:t>Optional values </a:t>
+            </a:r>
+            <a:r>
+              <a:rPr lang="en-US" dirty="0" smtClean="0"/>
+              <a:t>: </a:t>
+            </a:r>
+            <a:br>
+              <a:rPr lang="en-US" dirty="0" smtClean="0"/>
+            </a:br>
+            <a:r>
+              <a:rPr lang="en-US" dirty="0" smtClean="0"/>
+              <a:t>By default values are initialized with their default  values.</a:t>
+            </a:r>
+            <a:br>
+              <a:rPr lang="en-US" dirty="0" smtClean="0"/>
+            </a:br>
+            <a:r>
+              <a:rPr lang="en-US" dirty="0" smtClean="0"/>
+              <a:t>We need to implement the optional values/ Use library defined types.</a:t>
+            </a:r>
+            <a:br>
+              <a:rPr lang="en-US" dirty="0" smtClean="0"/>
+            </a:br>
+            <a:r>
+              <a:rPr lang="en-US" dirty="0" smtClean="0"/>
+              <a:t>To get optional values.</a:t>
+            </a:r>
+            <a:r>
+              <a:rPr lang="en-US" dirty="0" smtClean="0"/>
+              <a:t/>
             </a:r>
             <a:br>
               <a:rPr lang="en-US" dirty="0" smtClean="0"/>
@@ -3241,7 +3778,7 @@
 </p:sld>
 </file>
 
-<file path=ppt/slides/slide3.xml><?xml version="1.0" encoding="utf-8"?>
+<file path=ppt/slides/slide7.xml><?xml version="1.0" encoding="utf-8"?>
 <p:sld xmlns:a="http://schemas.openxmlformats.org/drawingml/2006/main" xmlns:r="http://schemas.openxmlformats.org/officeDocument/2006/relationships" xmlns:p="http://schemas.openxmlformats.org/presentationml/2006/main">
   <p:cSld>
     <p:spTree>
